--- a/MATLAB GPU.pptx
+++ b/MATLAB GPU.pptx
@@ -5,15 +5,14 @@
     <p:sldMasterId id="2147483660" r:id="rId1"/>
   </p:sldMasterIdLst>
   <p:notesMasterIdLst>
-    <p:notesMasterId r:id="rId8"/>
+    <p:notesMasterId r:id="rId7"/>
   </p:notesMasterIdLst>
   <p:sldIdLst>
     <p:sldId id="258" r:id="rId2"/>
     <p:sldId id="279" r:id="rId3"/>
     <p:sldId id="276" r:id="rId4"/>
     <p:sldId id="277" r:id="rId5"/>
-    <p:sldId id="281" r:id="rId6"/>
-    <p:sldId id="280" r:id="rId7"/>
+    <p:sldId id="280" r:id="rId6"/>
   </p:sldIdLst>
   <p:sldSz cx="9144000" cy="6858000" type="screen4x3"/>
   <p:notesSz cx="6735763" cy="9866313"/>
@@ -202,7 +201,7 @@
           <a:p>
             <a:fld id="{A9D6DECA-6E4E-4D09-9277-E151A2E3F74C}" type="datetimeFigureOut">
               <a:rPr lang="ko-KR" altLang="en-US" smtClean="0"/>
-              <a:t>2018-05-18</a:t>
+              <a:t>2018-05-20</a:t>
             </a:fld>
             <a:endParaRPr lang="ko-KR" altLang="en-US"/>
           </a:p>
@@ -880,90 +879,6 @@
     </p:spTree>
     <p:extLst>
       <p:ext uri="{BB962C8B-B14F-4D97-AF65-F5344CB8AC3E}">
-        <p14:creationId xmlns:p14="http://schemas.microsoft.com/office/powerpoint/2010/main" val="1951823717"/>
-      </p:ext>
-    </p:extLst>
-  </p:cSld>
-  <p:clrMapOvr>
-    <a:masterClrMapping/>
-  </p:clrMapOvr>
-</p:notes>
-</file>
-
-<file path=ppt/notesSlides/notesSlide6.xml><?xml version="1.0" encoding="utf-8"?>
-<p:notes xmlns:a="http://schemas.openxmlformats.org/drawingml/2006/main" xmlns:r="http://schemas.openxmlformats.org/officeDocument/2006/relationships" xmlns:p="http://schemas.openxmlformats.org/presentationml/2006/main">
-  <p:cSld>
-    <p:spTree>
-      <p:nvGrpSpPr>
-        <p:cNvPr id="1" name=""/>
-        <p:cNvGrpSpPr/>
-        <p:nvPr/>
-      </p:nvGrpSpPr>
-      <p:grpSpPr>
-        <a:xfrm>
-          <a:off x="0" y="0"/>
-          <a:ext cx="0" cy="0"/>
-          <a:chOff x="0" y="0"/>
-          <a:chExt cx="0" cy="0"/>
-        </a:xfrm>
-      </p:grpSpPr>
-      <p:sp>
-        <p:nvSpPr>
-          <p:cNvPr id="2" name="슬라이드 이미지 개체 틀 1"/>
-          <p:cNvSpPr>
-            <a:spLocks noGrp="1" noRot="1" noChangeAspect="1"/>
-          </p:cNvSpPr>
-          <p:nvPr>
-            <p:ph type="sldImg"/>
-          </p:nvPr>
-        </p:nvSpPr>
-        <p:spPr/>
-      </p:sp>
-      <p:sp>
-        <p:nvSpPr>
-          <p:cNvPr id="3" name="슬라이드 노트 개체 틀 2"/>
-          <p:cNvSpPr>
-            <a:spLocks noGrp="1"/>
-          </p:cNvSpPr>
-          <p:nvPr>
-            <p:ph type="body" idx="1"/>
-          </p:nvPr>
-        </p:nvSpPr>
-        <p:spPr/>
-        <p:txBody>
-          <a:bodyPr/>
-          <a:lstStyle/>
-          <a:p>
-            <a:endParaRPr lang="ko-KR" altLang="en-US"/>
-          </a:p>
-        </p:txBody>
-      </p:sp>
-      <p:sp>
-        <p:nvSpPr>
-          <p:cNvPr id="4" name="슬라이드 번호 개체 틀 3"/>
-          <p:cNvSpPr>
-            <a:spLocks noGrp="1"/>
-          </p:cNvSpPr>
-          <p:nvPr>
-            <p:ph type="sldNum" sz="quarter" idx="10"/>
-          </p:nvPr>
-        </p:nvSpPr>
-        <p:spPr/>
-        <p:txBody>
-          <a:bodyPr/>
-          <a:lstStyle/>
-          <a:p>
-            <a:fld id="{6D0ABE42-EEBB-47F0-BC6E-2BB25FA03CFE}" type="slidenum">
-              <a:rPr lang="ko-KR" altLang="en-US" smtClean="0"/>
-              <a:t>6</a:t>
-            </a:fld>
-            <a:endParaRPr lang="ko-KR" altLang="en-US"/>
-          </a:p>
-        </p:txBody>
-      </p:sp>
-    </p:spTree>
-    <p:extLst>
-      <p:ext uri="{BB962C8B-B14F-4D97-AF65-F5344CB8AC3E}">
         <p14:creationId xmlns:p14="http://schemas.microsoft.com/office/powerpoint/2010/main" val="218955723"/>
       </p:ext>
     </p:extLst>
@@ -1105,7 +1020,7 @@
           <a:p>
             <a:fld id="{78E89258-A40F-4400-BA1A-638141289729}" type="datetime1">
               <a:rPr lang="ko-KR" altLang="en-US" smtClean="0"/>
-              <a:t>2018-05-18</a:t>
+              <a:t>2018-05-20</a:t>
             </a:fld>
             <a:endParaRPr lang="ko-KR" altLang="en-US"/>
           </a:p>
@@ -1282,7 +1197,7 @@
           <a:p>
             <a:fld id="{CD116CEF-802E-43F7-8932-78519DF2A264}" type="datetime1">
               <a:rPr lang="ko-KR" altLang="en-US" smtClean="0"/>
-              <a:t>2018-05-18</a:t>
+              <a:t>2018-05-20</a:t>
             </a:fld>
             <a:endParaRPr lang="ko-KR" altLang="en-US"/>
           </a:p>
@@ -1462,7 +1377,7 @@
           <a:p>
             <a:fld id="{EFD9D7C3-1982-427D-BFA7-1AF9687AAB0F}" type="datetime1">
               <a:rPr lang="ko-KR" altLang="en-US" smtClean="0"/>
-              <a:t>2018-05-18</a:t>
+              <a:t>2018-05-20</a:t>
             </a:fld>
             <a:endParaRPr lang="ko-KR" altLang="en-US"/>
           </a:p>
@@ -1632,7 +1547,7 @@
           <a:p>
             <a:fld id="{EDD93E7F-B437-40E5-8ACB-B79696783EFA}" type="datetime1">
               <a:rPr lang="ko-KR" altLang="en-US" smtClean="0"/>
-              <a:t>2018-05-18</a:t>
+              <a:t>2018-05-20</a:t>
             </a:fld>
             <a:endParaRPr lang="ko-KR" altLang="en-US"/>
           </a:p>
@@ -1876,7 +1791,7 @@
           <a:p>
             <a:fld id="{DB249950-0BD4-4F6E-BE3F-CB53B7E2FD06}" type="datetime1">
               <a:rPr lang="ko-KR" altLang="en-US" smtClean="0"/>
-              <a:t>2018-05-18</a:t>
+              <a:t>2018-05-20</a:t>
             </a:fld>
             <a:endParaRPr lang="ko-KR" altLang="en-US"/>
           </a:p>
@@ -2108,7 +2023,7 @@
           <a:p>
             <a:fld id="{7B016D7E-32C0-4DB3-B6B3-0506A62840FB}" type="datetime1">
               <a:rPr lang="ko-KR" altLang="en-US" smtClean="0"/>
-              <a:t>2018-05-18</a:t>
+              <a:t>2018-05-20</a:t>
             </a:fld>
             <a:endParaRPr lang="ko-KR" altLang="en-US"/>
           </a:p>
@@ -2475,7 +2390,7 @@
           <a:p>
             <a:fld id="{B246672D-B3FD-4B2E-92C0-4A80DA670927}" type="datetime1">
               <a:rPr lang="ko-KR" altLang="en-US" smtClean="0"/>
-              <a:t>2018-05-18</a:t>
+              <a:t>2018-05-20</a:t>
             </a:fld>
             <a:endParaRPr lang="ko-KR" altLang="en-US"/>
           </a:p>
@@ -2593,7 +2508,7 @@
           <a:p>
             <a:fld id="{9B9B7D2E-B202-4D7A-9519-0C490A04EB9C}" type="datetime1">
               <a:rPr lang="ko-KR" altLang="en-US" smtClean="0"/>
-              <a:t>2018-05-18</a:t>
+              <a:t>2018-05-20</a:t>
             </a:fld>
             <a:endParaRPr lang="ko-KR" altLang="en-US"/>
           </a:p>
@@ -2688,7 +2603,7 @@
           <a:p>
             <a:fld id="{12FB9327-987E-47D6-AE2D-63CED8A79494}" type="datetime1">
               <a:rPr lang="ko-KR" altLang="en-US" smtClean="0"/>
-              <a:t>2018-05-18</a:t>
+              <a:t>2018-05-20</a:t>
             </a:fld>
             <a:endParaRPr lang="ko-KR" altLang="en-US"/>
           </a:p>
@@ -2965,7 +2880,7 @@
           <a:p>
             <a:fld id="{D8D87011-7294-4632-A156-4F695AB9E41C}" type="datetime1">
               <a:rPr lang="ko-KR" altLang="en-US" smtClean="0"/>
-              <a:t>2018-05-18</a:t>
+              <a:t>2018-05-20</a:t>
             </a:fld>
             <a:endParaRPr lang="ko-KR" altLang="en-US"/>
           </a:p>
@@ -3222,7 +3137,7 @@
           <a:p>
             <a:fld id="{1BDC7FDB-72DE-4D65-AF4F-510496DAF70F}" type="datetime1">
               <a:rPr lang="ko-KR" altLang="en-US" smtClean="0"/>
-              <a:t>2018-05-18</a:t>
+              <a:t>2018-05-20</a:t>
             </a:fld>
             <a:endParaRPr lang="ko-KR" altLang="en-US"/>
           </a:p>
@@ -3435,7 +3350,7 @@
           <a:p>
             <a:fld id="{9A286DBF-DB43-470A-A903-26374CB6EF47}" type="datetime1">
               <a:rPr lang="ko-KR" altLang="en-US" smtClean="0"/>
-              <a:t>2018-05-18</a:t>
+              <a:t>2018-05-20</a:t>
             </a:fld>
             <a:endParaRPr lang="ko-KR" altLang="en-US"/>
           </a:p>
@@ -4008,7 +3923,7 @@
           <a:p>
             <a:fld id="{32C03489-23FC-4021-B9AB-958EFB3C0FE7}" type="datetime1">
               <a:rPr lang="ko-KR" altLang="en-US" smtClean="0"/>
-              <a:t>2018-05-18</a:t>
+              <a:t>2018-05-20</a:t>
             </a:fld>
             <a:endParaRPr lang="ko-KR" altLang="en-US"/>
           </a:p>
@@ -4153,7 +4068,7 @@
           <a:p>
             <a:fld id="{53646E5C-8775-44A9-9523-40B6CCA06789}" type="datetime1">
               <a:rPr lang="ko-KR" altLang="en-US" smtClean="0"/>
-              <a:t>2018-05-18</a:t>
+              <a:t>2018-05-20</a:t>
             </a:fld>
             <a:endParaRPr lang="ko-KR" altLang="en-US"/>
           </a:p>
@@ -4190,7 +4105,7 @@
         </p:nvSpPr>
         <p:spPr>
           <a:xfrm>
-            <a:off x="720969" y="1069702"/>
+            <a:off x="720969" y="4189268"/>
             <a:ext cx="1588122" cy="400110"/>
           </a:xfrm>
           <a:prstGeom prst="rect">
@@ -4223,7 +4138,7 @@
         </p:nvSpPr>
         <p:spPr>
           <a:xfrm>
-            <a:off x="720969" y="1574609"/>
+            <a:off x="720969" y="4694175"/>
             <a:ext cx="4155831" cy="646331"/>
           </a:xfrm>
           <a:prstGeom prst="rect">
@@ -4248,16 +4163,16 @@
               <a:t> GPU (</a:t>
             </a:r>
             <a:r>
-              <a:rPr lang="en-US" altLang="ko-KR" dirty="0" err="1" smtClean="0">
-                <a:sym typeface="Wingdings" panose="05000000000000000000" pitchFamily="2" charset="2"/>
-              </a:rPr>
-              <a:t>Mulit</a:t>
-            </a:r>
-            <a:r>
               <a:rPr lang="en-US" altLang="ko-KR" dirty="0" smtClean="0">
                 <a:sym typeface="Wingdings" panose="05000000000000000000" pitchFamily="2" charset="2"/>
               </a:rPr>
-              <a:t>-core)</a:t>
+              <a:t>Multi-core</a:t>
+            </a:r>
+            <a:r>
+              <a:rPr lang="en-US" altLang="ko-KR" dirty="0" smtClean="0">
+                <a:sym typeface="Wingdings" panose="05000000000000000000" pitchFamily="2" charset="2"/>
+              </a:rPr>
+              <a:t>)</a:t>
             </a:r>
           </a:p>
           <a:p>
@@ -4279,7 +4194,7 @@
         </p:nvSpPr>
         <p:spPr>
           <a:xfrm>
-            <a:off x="720969" y="2325737"/>
+            <a:off x="720969" y="1108766"/>
             <a:ext cx="2853504" cy="400110"/>
           </a:xfrm>
           <a:prstGeom prst="rect">
@@ -4312,8 +4227,8 @@
         </p:nvSpPr>
         <p:spPr>
           <a:xfrm>
-            <a:off x="720969" y="2812254"/>
-            <a:ext cx="6003104" cy="1200329"/>
+            <a:off x="720968" y="1595283"/>
+            <a:ext cx="6481497" cy="1200329"/>
           </a:xfrm>
           <a:prstGeom prst="rect">
             <a:avLst/>
@@ -4337,10 +4252,10 @@
               <a:t> GPU Coder  CUDA  CUDA kernel </a:t>
             </a:r>
             <a:r>
-              <a:rPr lang="en-US" altLang="ko-KR" dirty="0" err="1" smtClean="0">
+              <a:rPr lang="en-US" altLang="ko-KR" dirty="0" smtClean="0">
                 <a:sym typeface="Wingdings" panose="05000000000000000000" pitchFamily="2" charset="2"/>
               </a:rPr>
-              <a:t>parallization</a:t>
+              <a:t>parallelization</a:t>
             </a:r>
             <a:endParaRPr lang="en-US" altLang="ko-KR" dirty="0" smtClean="0">
               <a:sym typeface="Wingdings" panose="05000000000000000000" pitchFamily="2" charset="2"/>
@@ -4386,7 +4301,7 @@
         </p:nvSpPr>
         <p:spPr>
           <a:xfrm>
-            <a:off x="720969" y="4098990"/>
+            <a:off x="720969" y="2875739"/>
             <a:ext cx="2853504" cy="400110"/>
           </a:xfrm>
           <a:prstGeom prst="rect">
@@ -4419,7 +4334,7 @@
         </p:nvSpPr>
         <p:spPr>
           <a:xfrm>
-            <a:off x="720969" y="4618043"/>
+            <a:off x="720969" y="3394792"/>
             <a:ext cx="4155831" cy="646331"/>
           </a:xfrm>
           <a:prstGeom prst="rect">
@@ -4438,12 +4353,12 @@
               <a:buChar char="•"/>
             </a:pPr>
             <a:r>
-              <a:rPr lang="en-US" altLang="ko-KR" dirty="0" err="1" smtClean="0"/>
-              <a:t>Massivley</a:t>
-            </a:r>
-            <a:r>
               <a:rPr lang="en-US" altLang="ko-KR" dirty="0" smtClean="0"/>
-              <a:t> Parallel</a:t>
+              <a:t>Massively </a:t>
+            </a:r>
+            <a:r>
+              <a:rPr lang="en-US" altLang="ko-KR" dirty="0" smtClean="0"/>
+              <a:t>Parallel</a:t>
             </a:r>
           </a:p>
           <a:p>
@@ -4452,12 +4367,12 @@
               <a:buChar char="•"/>
             </a:pPr>
             <a:r>
-              <a:rPr lang="en-US" altLang="ko-KR" dirty="0" err="1" smtClean="0"/>
-              <a:t>Computationaly</a:t>
-            </a:r>
-            <a:r>
               <a:rPr lang="en-US" altLang="ko-KR" dirty="0" smtClean="0"/>
-              <a:t> intensive</a:t>
+              <a:t>Computationally </a:t>
+            </a:r>
+            <a:r>
+              <a:rPr lang="en-US" altLang="ko-KR" dirty="0" smtClean="0"/>
+              <a:t>intensive</a:t>
             </a:r>
             <a:endParaRPr lang="ko-KR" altLang="en-US" dirty="0"/>
           </a:p>
@@ -4579,7 +4494,7 @@
           <a:p>
             <a:fld id="{53646E5C-8775-44A9-9523-40B6CCA06789}" type="datetime1">
               <a:rPr lang="ko-KR" altLang="en-US" smtClean="0"/>
-              <a:t>2018-05-18</a:t>
+              <a:t>2018-05-20</a:t>
             </a:fld>
             <a:endParaRPr lang="ko-KR" altLang="en-US" dirty="0"/>
           </a:p>
@@ -4707,9 +4622,27 @@
                 <a:tableStyleId>{5940675A-B579-460E-94D1-54222C63F5DA}</a:tableStyleId>
               </a:tblPr>
               <a:tblGrid>
-                <a:gridCol w="1597891"/>
-                <a:gridCol w="3080328"/>
-                <a:gridCol w="3080328"/>
+                <a:gridCol w="1597891">
+                  <a:extLst>
+                    <a:ext uri="{9D8B030D-6E8A-4147-A177-3AD203B41FA5}">
+                      <a16:colId xmlns:a16="http://schemas.microsoft.com/office/drawing/2014/main" val="20000"/>
+                    </a:ext>
+                  </a:extLst>
+                </a:gridCol>
+                <a:gridCol w="3080328">
+                  <a:extLst>
+                    <a:ext uri="{9D8B030D-6E8A-4147-A177-3AD203B41FA5}">
+                      <a16:colId xmlns:a16="http://schemas.microsoft.com/office/drawing/2014/main" val="20001"/>
+                    </a:ext>
+                  </a:extLst>
+                </a:gridCol>
+                <a:gridCol w="3080328">
+                  <a:extLst>
+                    <a:ext uri="{9D8B030D-6E8A-4147-A177-3AD203B41FA5}">
+                      <a16:colId xmlns:a16="http://schemas.microsoft.com/office/drawing/2014/main" val="20002"/>
+                    </a:ext>
+                  </a:extLst>
+                </a:gridCol>
               </a:tblGrid>
               <a:tr h="185420">
                 <a:tc>
@@ -4771,6 +4704,11 @@
                     </a:solidFill>
                   </a:tcPr>
                 </a:tc>
+                <a:extLst>
+                  <a:ext uri="{0D108BD9-81ED-4DB2-BD59-A6C34878D82A}">
+                    <a16:rowId xmlns:a16="http://schemas.microsoft.com/office/drawing/2014/main" val="10000"/>
+                  </a:ext>
+                </a:extLst>
               </a:tr>
               <a:tr h="185420">
                 <a:tc>
@@ -4824,6 +4762,11 @@
                   </a:txBody>
                   <a:tcPr anchor="ctr"/>
                 </a:tc>
+                <a:extLst>
+                  <a:ext uri="{0D108BD9-81ED-4DB2-BD59-A6C34878D82A}">
+                    <a16:rowId xmlns:a16="http://schemas.microsoft.com/office/drawing/2014/main" val="10001"/>
+                  </a:ext>
+                </a:extLst>
               </a:tr>
               <a:tr h="370840">
                 <a:tc>
@@ -4877,6 +4820,11 @@
                   </a:txBody>
                   <a:tcPr anchor="ctr"/>
                 </a:tc>
+                <a:extLst>
+                  <a:ext uri="{0D108BD9-81ED-4DB2-BD59-A6C34878D82A}">
+                    <a16:rowId xmlns:a16="http://schemas.microsoft.com/office/drawing/2014/main" val="10002"/>
+                  </a:ext>
+                </a:extLst>
               </a:tr>
               <a:tr h="370840">
                 <a:tc>
@@ -4934,6 +4882,11 @@
                   </a:txBody>
                   <a:tcPr anchor="ctr"/>
                 </a:tc>
+                <a:extLst>
+                  <a:ext uri="{0D108BD9-81ED-4DB2-BD59-A6C34878D82A}">
+                    <a16:rowId xmlns:a16="http://schemas.microsoft.com/office/drawing/2014/main" val="10003"/>
+                  </a:ext>
+                </a:extLst>
               </a:tr>
               <a:tr h="370840">
                 <a:tc>
@@ -4987,6 +4940,11 @@
                   </a:txBody>
                   <a:tcPr anchor="ctr"/>
                 </a:tc>
+                <a:extLst>
+                  <a:ext uri="{0D108BD9-81ED-4DB2-BD59-A6C34878D82A}">
+                    <a16:rowId xmlns:a16="http://schemas.microsoft.com/office/drawing/2014/main" val="10004"/>
+                  </a:ext>
+                </a:extLst>
               </a:tr>
               <a:tr h="370840">
                 <a:tc>
@@ -5044,6 +5002,11 @@
                   </a:txBody>
                   <a:tcPr anchor="ctr"/>
                 </a:tc>
+                <a:extLst>
+                  <a:ext uri="{0D108BD9-81ED-4DB2-BD59-A6C34878D82A}">
+                    <a16:rowId xmlns:a16="http://schemas.microsoft.com/office/drawing/2014/main" val="10005"/>
+                  </a:ext>
+                </a:extLst>
               </a:tr>
             </a:tbl>
           </a:graphicData>
@@ -5074,9 +5037,27 @@
                 <a:tableStyleId>{5940675A-B579-460E-94D1-54222C63F5DA}</a:tableStyleId>
               </a:tblPr>
               <a:tblGrid>
-                <a:gridCol w="1875375"/>
-                <a:gridCol w="2802844"/>
-                <a:gridCol w="3080328"/>
+                <a:gridCol w="1875375">
+                  <a:extLst>
+                    <a:ext uri="{9D8B030D-6E8A-4147-A177-3AD203B41FA5}">
+                      <a16:colId xmlns:a16="http://schemas.microsoft.com/office/drawing/2014/main" val="20000"/>
+                    </a:ext>
+                  </a:extLst>
+                </a:gridCol>
+                <a:gridCol w="2802844">
+                  <a:extLst>
+                    <a:ext uri="{9D8B030D-6E8A-4147-A177-3AD203B41FA5}">
+                      <a16:colId xmlns:a16="http://schemas.microsoft.com/office/drawing/2014/main" val="20001"/>
+                    </a:ext>
+                  </a:extLst>
+                </a:gridCol>
+                <a:gridCol w="3080328">
+                  <a:extLst>
+                    <a:ext uri="{9D8B030D-6E8A-4147-A177-3AD203B41FA5}">
+                      <a16:colId xmlns:a16="http://schemas.microsoft.com/office/drawing/2014/main" val="20002"/>
+                    </a:ext>
+                  </a:extLst>
+                </a:gridCol>
               </a:tblGrid>
               <a:tr h="185420">
                 <a:tc>
@@ -5138,6 +5119,11 @@
                     </a:solidFill>
                   </a:tcPr>
                 </a:tc>
+                <a:extLst>
+                  <a:ext uri="{0D108BD9-81ED-4DB2-BD59-A6C34878D82A}">
+                    <a16:rowId xmlns:a16="http://schemas.microsoft.com/office/drawing/2014/main" val="10000"/>
+                  </a:ext>
+                </a:extLst>
               </a:tr>
               <a:tr h="185420">
                 <a:tc>
@@ -5184,17 +5170,18 @@
                       <a:pPr algn="ctr" latinLnBrk="1"/>
                       <a:r>
                         <a:rPr lang="en-US" altLang="ko-KR" dirty="0" smtClean="0"/>
-                        <a:t>Intel </a:t>
-                      </a:r>
-                      <a:r>
-                        <a:rPr lang="en-US" altLang="ko-KR" dirty="0" smtClean="0"/>
-                        <a:t>i7-5960X</a:t>
+                        <a:t>Intel i7-5960X</a:t>
                       </a:r>
                       <a:endParaRPr lang="ko-KR" altLang="en-US" dirty="0"/>
                     </a:p>
                   </a:txBody>
                   <a:tcPr anchor="ctr"/>
                 </a:tc>
+                <a:extLst>
+                  <a:ext uri="{0D108BD9-81ED-4DB2-BD59-A6C34878D82A}">
+                    <a16:rowId xmlns:a16="http://schemas.microsoft.com/office/drawing/2014/main" val="10001"/>
+                  </a:ext>
+                </a:extLst>
               </a:tr>
               <a:tr h="370840">
                 <a:tc>
@@ -5248,6 +5235,11 @@
                   </a:txBody>
                   <a:tcPr anchor="ctr"/>
                 </a:tc>
+                <a:extLst>
+                  <a:ext uri="{0D108BD9-81ED-4DB2-BD59-A6C34878D82A}">
+                    <a16:rowId xmlns:a16="http://schemas.microsoft.com/office/drawing/2014/main" val="10002"/>
+                  </a:ext>
+                </a:extLst>
               </a:tr>
               <a:tr h="370840">
                 <a:tc>
@@ -5305,6 +5297,11 @@
                   </a:txBody>
                   <a:tcPr anchor="ctr"/>
                 </a:tc>
+                <a:extLst>
+                  <a:ext uri="{0D108BD9-81ED-4DB2-BD59-A6C34878D82A}">
+                    <a16:rowId xmlns:a16="http://schemas.microsoft.com/office/drawing/2014/main" val="10003"/>
+                  </a:ext>
+                </a:extLst>
               </a:tr>
               <a:tr h="370840">
                 <a:tc>
@@ -5374,6 +5371,11 @@
                   </a:txBody>
                   <a:tcPr anchor="ctr"/>
                 </a:tc>
+                <a:extLst>
+                  <a:ext uri="{0D108BD9-81ED-4DB2-BD59-A6C34878D82A}">
+                    <a16:rowId xmlns:a16="http://schemas.microsoft.com/office/drawing/2014/main" val="10004"/>
+                  </a:ext>
+                </a:extLst>
               </a:tr>
             </a:tbl>
           </a:graphicData>
@@ -5495,7 +5497,7 @@
           <a:p>
             <a:fld id="{53646E5C-8775-44A9-9523-40B6CCA06789}" type="datetime1">
               <a:rPr lang="ko-KR" altLang="en-US" smtClean="0"/>
-              <a:t>2018-05-18</a:t>
+              <a:t>2018-05-20</a:t>
             </a:fld>
             <a:endParaRPr lang="ko-KR" altLang="en-US"/>
           </a:p>
@@ -5630,7 +5632,7 @@
           <p:nvPr>
             <p:extLst>
               <p:ext uri="{D42A27DB-BD31-4B8C-83A1-F6EECF244321}">
-                <p14:modId xmlns:p14="http://schemas.microsoft.com/office/powerpoint/2010/main" val="1636632254"/>
+                <p14:modId xmlns:p14="http://schemas.microsoft.com/office/powerpoint/2010/main" val="2252652852"/>
               </p:ext>
             </p:extLst>
           </p:nvPr>
@@ -5646,13 +5648,55 @@
                 <a:tableStyleId>{2D5ABB26-0587-4C30-8999-92F81FD0307C}</a:tableStyleId>
               </a:tblPr>
               <a:tblGrid>
-                <a:gridCol w="1940961"/>
-                <a:gridCol w="884320"/>
-                <a:gridCol w="990662"/>
-                <a:gridCol w="720437"/>
-                <a:gridCol w="812800"/>
-                <a:gridCol w="960581"/>
-                <a:gridCol w="749473"/>
+                <a:gridCol w="1940961">
+                  <a:extLst>
+                    <a:ext uri="{9D8B030D-6E8A-4147-A177-3AD203B41FA5}">
+                      <a16:colId xmlns:a16="http://schemas.microsoft.com/office/drawing/2014/main" val="20000"/>
+                    </a:ext>
+                  </a:extLst>
+                </a:gridCol>
+                <a:gridCol w="884320">
+                  <a:extLst>
+                    <a:ext uri="{9D8B030D-6E8A-4147-A177-3AD203B41FA5}">
+                      <a16:colId xmlns:a16="http://schemas.microsoft.com/office/drawing/2014/main" val="20001"/>
+                    </a:ext>
+                  </a:extLst>
+                </a:gridCol>
+                <a:gridCol w="990662">
+                  <a:extLst>
+                    <a:ext uri="{9D8B030D-6E8A-4147-A177-3AD203B41FA5}">
+                      <a16:colId xmlns:a16="http://schemas.microsoft.com/office/drawing/2014/main" val="20002"/>
+                    </a:ext>
+                  </a:extLst>
+                </a:gridCol>
+                <a:gridCol w="720437">
+                  <a:extLst>
+                    <a:ext uri="{9D8B030D-6E8A-4147-A177-3AD203B41FA5}">
+                      <a16:colId xmlns:a16="http://schemas.microsoft.com/office/drawing/2014/main" val="20003"/>
+                    </a:ext>
+                  </a:extLst>
+                </a:gridCol>
+                <a:gridCol w="812800">
+                  <a:extLst>
+                    <a:ext uri="{9D8B030D-6E8A-4147-A177-3AD203B41FA5}">
+                      <a16:colId xmlns:a16="http://schemas.microsoft.com/office/drawing/2014/main" val="20004"/>
+                    </a:ext>
+                  </a:extLst>
+                </a:gridCol>
+                <a:gridCol w="960581">
+                  <a:extLst>
+                    <a:ext uri="{9D8B030D-6E8A-4147-A177-3AD203B41FA5}">
+                      <a16:colId xmlns:a16="http://schemas.microsoft.com/office/drawing/2014/main" val="20005"/>
+                    </a:ext>
+                  </a:extLst>
+                </a:gridCol>
+                <a:gridCol w="749473">
+                  <a:extLst>
+                    <a:ext uri="{9D8B030D-6E8A-4147-A177-3AD203B41FA5}">
+                      <a16:colId xmlns:a16="http://schemas.microsoft.com/office/drawing/2014/main" val="20006"/>
+                    </a:ext>
+                  </a:extLst>
+                </a:gridCol>
               </a:tblGrid>
               <a:tr h="296543">
                 <a:tc>
@@ -5662,14 +5706,14 @@
                     <a:p>
                       <a:pPr algn="l" latinLnBrk="1"/>
                       <a:r>
-                        <a:rPr lang="en-US" altLang="ko-KR" sz="1600" dirty="0" smtClean="0"/>
-                        <a:t>i7-5960X </a:t>
-                      </a:r>
-                      <a:r>
-                        <a:rPr lang="en-US" altLang="ko-KR" sz="1600" dirty="0" smtClean="0"/>
-                        <a:t>(CPU)</a:t>
-                      </a:r>
-                      <a:endParaRPr lang="ko-KR" altLang="en-US" sz="1600" dirty="0"/>
+                        <a:rPr lang="en-US" altLang="ko-KR" sz="1400" dirty="0" smtClean="0"/>
+                        <a:t>i7-5960X (</a:t>
+                      </a:r>
+                      <a:r>
+                        <a:rPr lang="en-US" altLang="ko-KR" sz="1400" dirty="0" smtClean="0"/>
+                        <a:t>CPU, 8C/16T)</a:t>
+                      </a:r>
+                      <a:endParaRPr lang="ko-KR" altLang="en-US" sz="1400" dirty="0"/>
                     </a:p>
                   </a:txBody>
                   <a:tcPr/>
@@ -5764,6 +5808,11 @@
                   </a:txBody>
                   <a:tcPr/>
                 </a:tc>
+                <a:extLst>
+                  <a:ext uri="{0D108BD9-81ED-4DB2-BD59-A6C34878D82A}">
+                    <a16:rowId xmlns:a16="http://schemas.microsoft.com/office/drawing/2014/main" val="10000"/>
+                  </a:ext>
+                </a:extLst>
               </a:tr>
             </a:tbl>
           </a:graphicData>
@@ -5836,7 +5885,7 @@
         <p:spPr>
           <a:xfrm>
             <a:off x="1746205" y="4450211"/>
-            <a:ext cx="599831" cy="338554"/>
+            <a:ext cx="1263002" cy="338554"/>
           </a:xfrm>
           <a:prstGeom prst="rect">
             <a:avLst/>
@@ -5851,8 +5900,13 @@
           <a:p>
             <a:r>
               <a:rPr lang="en-US" altLang="ko-KR" sz="1600" dirty="0" smtClean="0"/>
-              <a:t>(CPU)</a:t>
-            </a:r>
+              <a:t>(</a:t>
+            </a:r>
+            <a:r>
+              <a:rPr lang="en-US" altLang="ko-KR" sz="1600" dirty="0" smtClean="0"/>
+              <a:t>CPU, 4C/4T)</a:t>
+            </a:r>
+            <a:endParaRPr lang="en-US" altLang="ko-KR" sz="1600" dirty="0" smtClean="0"/>
           </a:p>
         </p:txBody>
       </p:sp>
@@ -5956,8 +6010,8 @@
         </p:nvSpPr>
         <p:spPr>
           <a:xfrm>
-            <a:off x="1042382" y="5609370"/>
-            <a:ext cx="7009555" cy="229742"/>
+            <a:off x="1042382" y="5576491"/>
+            <a:ext cx="7009555" cy="269055"/>
           </a:xfrm>
           <a:prstGeom prst="rect">
             <a:avLst/>
@@ -6088,7 +6142,7 @@
                 </a:solidFill>
                 <a:latin typeface="Arial" panose="020B0604020202020204" pitchFamily="34" charset="0"/>
               </a:rPr>
-              <a:t>CPU&amp;GPU Benchmark</a:t>
+              <a:t>Workstation</a:t>
             </a:r>
           </a:p>
         </p:txBody>
@@ -6110,7 +6164,7 @@
           <a:p>
             <a:fld id="{53646E5C-8775-44A9-9523-40B6CCA06789}" type="datetime1">
               <a:rPr lang="ko-KR" altLang="en-US" smtClean="0"/>
-              <a:t>2018-05-18</a:t>
+              <a:t>2018-05-20</a:t>
             </a:fld>
             <a:endParaRPr lang="ko-KR" altLang="en-US"/>
           </a:p>
@@ -6134,199 +6188,6 @@
             <a:fld id="{8765F8EB-1186-4395-8E70-F957669279DD}" type="slidenum">
               <a:rPr lang="ko-KR" altLang="en-US" smtClean="0"/>
               <a:t>5</a:t>
-            </a:fld>
-            <a:endParaRPr lang="ko-KR" altLang="en-US"/>
-          </a:p>
-        </p:txBody>
-      </p:sp>
-      <p:sp>
-        <p:nvSpPr>
-          <p:cNvPr id="14" name="TextBox 13"/>
-          <p:cNvSpPr txBox="1"/>
-          <p:nvPr/>
-        </p:nvSpPr>
-        <p:spPr>
-          <a:xfrm>
-            <a:off x="1228725" y="1003628"/>
-            <a:ext cx="6686550" cy="923330"/>
-          </a:xfrm>
-          <a:prstGeom prst="rect">
-            <a:avLst/>
-          </a:prstGeom>
-          <a:noFill/>
-        </p:spPr>
-        <p:txBody>
-          <a:bodyPr wrap="square" rtlCol="0">
-            <a:spAutoFit/>
-          </a:bodyPr>
-          <a:lstStyle/>
-          <a:p>
-            <a:r>
-              <a:rPr lang="en-US" altLang="ko-KR" dirty="0" smtClean="0"/>
-              <a:t>Tesla P100-PCIE-16GB &gt; $10,000</a:t>
-            </a:r>
-          </a:p>
-          <a:p>
-            <a:r>
-              <a:rPr lang="en-US" altLang="ko-KR" dirty="0" smtClean="0"/>
-              <a:t>Tesla K40m &gt; $2,000</a:t>
-            </a:r>
-          </a:p>
-          <a:p>
-            <a:r>
-              <a:rPr lang="en-US" altLang="ko-KR" dirty="0" smtClean="0"/>
-              <a:t>Tesla K20c</a:t>
-            </a:r>
-            <a:endParaRPr lang="ko-KR" altLang="en-US" dirty="0"/>
-          </a:p>
-        </p:txBody>
-      </p:sp>
-    </p:spTree>
-    <p:extLst>
-      <p:ext uri="{BB962C8B-B14F-4D97-AF65-F5344CB8AC3E}">
-        <p14:creationId xmlns:p14="http://schemas.microsoft.com/office/powerpoint/2010/main" val="737429987"/>
-      </p:ext>
-    </p:extLst>
-  </p:cSld>
-  <p:clrMapOvr>
-    <a:masterClrMapping/>
-  </p:clrMapOvr>
-  <p:timing>
-    <p:tnLst>
-      <p:par>
-        <p:cTn id="1" dur="indefinite" restart="never" nodeType="tmRoot"/>
-      </p:par>
-    </p:tnLst>
-  </p:timing>
-</p:sld>
-</file>
-
-<file path=ppt/slides/slide6.xml><?xml version="1.0" encoding="utf-8"?>
-<p:sld xmlns:a="http://schemas.openxmlformats.org/drawingml/2006/main" xmlns:r="http://schemas.openxmlformats.org/officeDocument/2006/relationships" xmlns:p="http://schemas.openxmlformats.org/presentationml/2006/main">
-  <p:cSld>
-    <p:spTree>
-      <p:nvGrpSpPr>
-        <p:cNvPr id="1" name=""/>
-        <p:cNvGrpSpPr/>
-        <p:nvPr/>
-      </p:nvGrpSpPr>
-      <p:grpSpPr>
-        <a:xfrm>
-          <a:off x="0" y="0"/>
-          <a:ext cx="0" cy="0"/>
-          <a:chOff x="0" y="0"/>
-          <a:chExt cx="0" cy="0"/>
-        </a:xfrm>
-      </p:grpSpPr>
-      <p:sp>
-        <p:nvSpPr>
-          <p:cNvPr id="6199" name="Rectangle 55"/>
-          <p:cNvSpPr>
-            <a:spLocks noChangeArrowheads="1"/>
-          </p:cNvSpPr>
-          <p:nvPr/>
-        </p:nvSpPr>
-        <p:spPr bwMode="auto">
-          <a:xfrm>
-            <a:off x="0" y="0"/>
-            <a:ext cx="9144000" cy="692150"/>
-          </a:xfrm>
-          <a:prstGeom prst="rect">
-            <a:avLst/>
-          </a:prstGeom>
-          <a:solidFill>
-            <a:srgbClr val="3333FF"/>
-          </a:solidFill>
-          <a:ln>
-            <a:noFill/>
-          </a:ln>
-          <a:effectLst/>
-          <a:extLst>
-            <a:ext uri="{91240B29-F687-4F45-9708-019B960494DF}">
-              <a14:hiddenLine xmlns:a14="http://schemas.microsoft.com/office/drawing/2010/main" w="9525">
-                <a:solidFill>
-                  <a:schemeClr val="tx1"/>
-                </a:solidFill>
-                <a:miter lim="800000"/>
-                <a:headEnd/>
-                <a:tailEnd/>
-              </a14:hiddenLine>
-            </a:ext>
-            <a:ext uri="{AF507438-7753-43E0-B8FC-AC1667EBCBE1}">
-              <a14:hiddenEffects xmlns:a14="http://schemas.microsoft.com/office/drawing/2010/main">
-                <a:effectLst>
-                  <a:outerShdw dist="35921" dir="2700000" algn="ctr" rotWithShape="0">
-                    <a:schemeClr val="bg2"/>
-                  </a:outerShdw>
-                </a:effectLst>
-              </a14:hiddenEffects>
-            </a:ext>
-          </a:extLst>
-        </p:spPr>
-        <p:txBody>
-          <a:bodyPr wrap="none" anchor="ctr"/>
-          <a:lstStyle/>
-          <a:p>
-            <a:pPr algn="ctr"/>
-            <a:r>
-              <a:rPr lang="en-US" altLang="ko-KR" sz="2800" dirty="0" smtClean="0">
-                <a:solidFill>
-                  <a:schemeClr val="bg1"/>
-                </a:solidFill>
-                <a:latin typeface="Arial" panose="020B0604020202020204" pitchFamily="34" charset="0"/>
-              </a:rPr>
-              <a:t>Workstation</a:t>
-            </a:r>
-            <a:endParaRPr lang="en-US" altLang="ko-KR" sz="2800" dirty="0" smtClean="0">
-              <a:solidFill>
-                <a:schemeClr val="bg1"/>
-              </a:solidFill>
-              <a:latin typeface="Arial" panose="020B0604020202020204" pitchFamily="34" charset="0"/>
-            </a:endParaRPr>
-          </a:p>
-        </p:txBody>
-      </p:sp>
-      <p:sp>
-        <p:nvSpPr>
-          <p:cNvPr id="2" name="날짜 개체 틀 1"/>
-          <p:cNvSpPr>
-            <a:spLocks noGrp="1"/>
-          </p:cNvSpPr>
-          <p:nvPr>
-            <p:ph type="dt" sz="half" idx="10"/>
-          </p:nvPr>
-        </p:nvSpPr>
-        <p:spPr/>
-        <p:txBody>
-          <a:bodyPr/>
-          <a:lstStyle/>
-          <a:p>
-            <a:fld id="{53646E5C-8775-44A9-9523-40B6CCA06789}" type="datetime1">
-              <a:rPr lang="ko-KR" altLang="en-US" smtClean="0"/>
-              <a:t>2018-05-18</a:t>
-            </a:fld>
-            <a:endParaRPr lang="ko-KR" altLang="en-US"/>
-          </a:p>
-        </p:txBody>
-      </p:sp>
-      <p:sp>
-        <p:nvSpPr>
-          <p:cNvPr id="15" name="슬라이드 번호 개체 틀 14"/>
-          <p:cNvSpPr>
-            <a:spLocks noGrp="1"/>
-          </p:cNvSpPr>
-          <p:nvPr>
-            <p:ph type="sldNum" sz="quarter" idx="12"/>
-          </p:nvPr>
-        </p:nvSpPr>
-        <p:spPr/>
-        <p:txBody>
-          <a:bodyPr/>
-          <a:lstStyle/>
-          <a:p>
-            <a:fld id="{8765F8EB-1186-4395-8E70-F957669279DD}" type="slidenum">
-              <a:rPr lang="ko-KR" altLang="en-US" smtClean="0"/>
-              <a:t>6</a:t>
             </a:fld>
             <a:endParaRPr lang="ko-KR" altLang="en-US"/>
           </a:p>
@@ -6341,13 +6202,13 @@
           <p:nvPr>
             <p:extLst>
               <p:ext uri="{D42A27DB-BD31-4B8C-83A1-F6EECF244321}">
-                <p14:modId xmlns:p14="http://schemas.microsoft.com/office/powerpoint/2010/main" val="2770934764"/>
+                <p14:modId xmlns:p14="http://schemas.microsoft.com/office/powerpoint/2010/main" val="439239251"/>
               </p:ext>
             </p:extLst>
           </p:nvPr>
         </p:nvGraphicFramePr>
         <p:xfrm>
-          <a:off x="266005" y="1552481"/>
+          <a:off x="266005" y="2548059"/>
           <a:ext cx="8611989" cy="3865880"/>
         </p:xfrm>
         <a:graphic>
@@ -6357,10 +6218,34 @@
                 <a:tableStyleId>{5940675A-B579-460E-94D1-54222C63F5DA}</a:tableStyleId>
               </a:tblPr>
               <a:tblGrid>
-                <a:gridCol w="1340373"/>
-                <a:gridCol w="3496963"/>
-                <a:gridCol w="2582562"/>
-                <a:gridCol w="1192091"/>
+                <a:gridCol w="1340373">
+                  <a:extLst>
+                    <a:ext uri="{9D8B030D-6E8A-4147-A177-3AD203B41FA5}">
+                      <a16:colId xmlns:a16="http://schemas.microsoft.com/office/drawing/2014/main" val="20000"/>
+                    </a:ext>
+                  </a:extLst>
+                </a:gridCol>
+                <a:gridCol w="3496963">
+                  <a:extLst>
+                    <a:ext uri="{9D8B030D-6E8A-4147-A177-3AD203B41FA5}">
+                      <a16:colId xmlns:a16="http://schemas.microsoft.com/office/drawing/2014/main" val="20001"/>
+                    </a:ext>
+                  </a:extLst>
+                </a:gridCol>
+                <a:gridCol w="2582562">
+                  <a:extLst>
+                    <a:ext uri="{9D8B030D-6E8A-4147-A177-3AD203B41FA5}">
+                      <a16:colId xmlns:a16="http://schemas.microsoft.com/office/drawing/2014/main" val="20002"/>
+                    </a:ext>
+                  </a:extLst>
+                </a:gridCol>
+                <a:gridCol w="1192091">
+                  <a:extLst>
+                    <a:ext uri="{9D8B030D-6E8A-4147-A177-3AD203B41FA5}">
+                      <a16:colId xmlns:a16="http://schemas.microsoft.com/office/drawing/2014/main" val="20003"/>
+                    </a:ext>
+                  </a:extLst>
+                </a:gridCol>
               </a:tblGrid>
               <a:tr h="185420">
                 <a:tc>
@@ -6443,6 +6328,11 @@
                     </a:solidFill>
                   </a:tcPr>
                 </a:tc>
+                <a:extLst>
+                  <a:ext uri="{0D108BD9-81ED-4DB2-BD59-A6C34878D82A}">
+                    <a16:rowId xmlns:a16="http://schemas.microsoft.com/office/drawing/2014/main" val="10000"/>
+                  </a:ext>
+                </a:extLst>
               </a:tr>
               <a:tr h="185420">
                 <a:tc>
@@ -6515,6 +6405,11 @@
                   </a:txBody>
                   <a:tcPr anchor="ctr"/>
                 </a:tc>
+                <a:extLst>
+                  <a:ext uri="{0D108BD9-81ED-4DB2-BD59-A6C34878D82A}">
+                    <a16:rowId xmlns:a16="http://schemas.microsoft.com/office/drawing/2014/main" val="10001"/>
+                  </a:ext>
+                </a:extLst>
               </a:tr>
               <a:tr h="370840">
                 <a:tc>
@@ -6587,6 +6482,11 @@
                   </a:txBody>
                   <a:tcPr anchor="ctr"/>
                 </a:tc>
+                <a:extLst>
+                  <a:ext uri="{0D108BD9-81ED-4DB2-BD59-A6C34878D82A}">
+                    <a16:rowId xmlns:a16="http://schemas.microsoft.com/office/drawing/2014/main" val="10002"/>
+                  </a:ext>
+                </a:extLst>
               </a:tr>
               <a:tr h="370840">
                 <a:tc>
@@ -6663,6 +6563,11 @@
                   </a:txBody>
                   <a:tcPr anchor="ctr"/>
                 </a:tc>
+                <a:extLst>
+                  <a:ext uri="{0D108BD9-81ED-4DB2-BD59-A6C34878D82A}">
+                    <a16:rowId xmlns:a16="http://schemas.microsoft.com/office/drawing/2014/main" val="10003"/>
+                  </a:ext>
+                </a:extLst>
               </a:tr>
               <a:tr h="370840">
                 <a:tc>
@@ -6742,6 +6647,11 @@
                   </a:txBody>
                   <a:tcPr anchor="ctr"/>
                 </a:tc>
+                <a:extLst>
+                  <a:ext uri="{0D108BD9-81ED-4DB2-BD59-A6C34878D82A}">
+                    <a16:rowId xmlns:a16="http://schemas.microsoft.com/office/drawing/2014/main" val="10004"/>
+                  </a:ext>
+                </a:extLst>
               </a:tr>
               <a:tr h="370840">
                 <a:tc>
@@ -6810,6 +6720,11 @@
                   </a:txBody>
                   <a:tcPr anchor="ctr"/>
                 </a:tc>
+                <a:extLst>
+                  <a:ext uri="{0D108BD9-81ED-4DB2-BD59-A6C34878D82A}">
+                    <a16:rowId xmlns:a16="http://schemas.microsoft.com/office/drawing/2014/main" val="10005"/>
+                  </a:ext>
+                </a:extLst>
               </a:tr>
               <a:tr h="370840">
                 <a:tc>
@@ -6894,6 +6809,11 @@
                   </a:txBody>
                   <a:tcPr anchor="ctr"/>
                 </a:tc>
+                <a:extLst>
+                  <a:ext uri="{0D108BD9-81ED-4DB2-BD59-A6C34878D82A}">
+                    <a16:rowId xmlns:a16="http://schemas.microsoft.com/office/drawing/2014/main" val="10006"/>
+                  </a:ext>
+                </a:extLst>
               </a:tr>
               <a:tr h="370840">
                 <a:tc>
@@ -6958,6 +6878,11 @@
                   </a:txBody>
                   <a:tcPr anchor="ctr"/>
                 </a:tc>
+                <a:extLst>
+                  <a:ext uri="{0D108BD9-81ED-4DB2-BD59-A6C34878D82A}">
+                    <a16:rowId xmlns:a16="http://schemas.microsoft.com/office/drawing/2014/main" val="10007"/>
+                  </a:ext>
+                </a:extLst>
               </a:tr>
               <a:tr h="370840">
                 <a:tc>
@@ -7018,11 +6943,76 @@
                   </a:txBody>
                   <a:tcPr anchor="ctr"/>
                 </a:tc>
+                <a:extLst>
+                  <a:ext uri="{0D108BD9-81ED-4DB2-BD59-A6C34878D82A}">
+                    <a16:rowId xmlns:a16="http://schemas.microsoft.com/office/drawing/2014/main" val="10008"/>
+                  </a:ext>
+                </a:extLst>
               </a:tr>
             </a:tbl>
           </a:graphicData>
         </a:graphic>
       </p:graphicFrame>
+      <p:sp>
+        <p:nvSpPr>
+          <p:cNvPr id="6" name="TextBox 5"/>
+          <p:cNvSpPr txBox="1"/>
+          <p:nvPr/>
+        </p:nvSpPr>
+        <p:spPr>
+          <a:xfrm>
+            <a:off x="714375" y="881440"/>
+            <a:ext cx="7715250" cy="1477328"/>
+          </a:xfrm>
+          <a:prstGeom prst="rect">
+            <a:avLst/>
+          </a:prstGeom>
+          <a:noFill/>
+        </p:spPr>
+        <p:txBody>
+          <a:bodyPr wrap="square" rtlCol="0">
+            <a:spAutoFit/>
+          </a:bodyPr>
+          <a:lstStyle/>
+          <a:p>
+            <a:r>
+              <a:rPr lang="en-US" altLang="ko-KR" dirty="0" smtClean="0"/>
+              <a:t>Tesla P100-PCIE-16GB &gt; $10,000</a:t>
+            </a:r>
+          </a:p>
+          <a:p>
+            <a:r>
+              <a:rPr lang="en-US" altLang="ko-KR" dirty="0" smtClean="0"/>
+              <a:t>Tesla K40m &gt; $2,000</a:t>
+            </a:r>
+          </a:p>
+          <a:p>
+            <a:r>
+              <a:rPr lang="en-US" altLang="ko-KR" dirty="0" smtClean="0"/>
+              <a:t>Tesla </a:t>
+            </a:r>
+            <a:r>
+              <a:rPr lang="en-US" altLang="ko-KR" dirty="0" smtClean="0"/>
+              <a:t>K20c &gt; $1,400</a:t>
+            </a:r>
+          </a:p>
+          <a:p>
+            <a:endParaRPr lang="en-US" altLang="ko-KR" dirty="0"/>
+          </a:p>
+          <a:p>
+            <a:pPr marL="285750" indent="-285750">
+              <a:buFont typeface="Wingdings" panose="05000000000000000000" pitchFamily="2" charset="2"/>
+              <a:buChar char="è"/>
+            </a:pPr>
+            <a:r>
+              <a:rPr lang="en-US" altLang="ko-KR" dirty="0" smtClean="0">
+                <a:sym typeface="Wingdings" panose="05000000000000000000" pitchFamily="2" charset="2"/>
+              </a:rPr>
+              <a:t>Double Precision: CPU computing, Single Precision:  GPU computing</a:t>
+            </a:r>
+          </a:p>
+        </p:txBody>
+      </p:sp>
     </p:spTree>
     <p:extLst>
       <p:ext uri="{BB962C8B-B14F-4D97-AF65-F5344CB8AC3E}">
